--- a/study/ПОДСТРЕЧНЫЙ_Вопрос2.1.pptx
+++ b/study/ПОДСТРЕЧНЫЙ_Вопрос2.1.pptx
@@ -5242,7 +5242,15 @@
           <a:p>
             <a:r>
               <a:rPr lang="ru-RU" dirty="0"/>
-              <a:t>Сегодня человек каждый день так или иначе сталкивается с деятельностью различных социальных институтов. В экранов телевизоров в последнее время мы довольно часто слышим о сохранении института семьи, недавние поправки в Конституцию Российской Федерации затронули институт брака. Различные политические процессы, происходящие между странами (торговля между странами, интеграция, совместная разработка различных технологических проектов), так или иначе затрагивают институт государства. Можно вспомнить или придумать еще множество примеров социальных институтов и их деятельности.</a:t>
+              <a:t>Сегодня человек каждый день так или иначе сталкивается с деятельностью различных социальных институтов. </a:t>
+            </a:r>
+            <a:r>
+              <a:rPr lang="en-US" dirty="0"/>
+              <a:t>C</a:t>
+            </a:r>
+            <a:r>
+              <a:rPr lang="ru-RU" dirty="0"/>
+              <a:t> экранов телевизоров в последнее время мы довольно часто слышим о сохранении института семьи, недавние поправки в Конституцию Российской Федерации затронули институт брака. Различные политические процессы, происходящие между странами (торговля между странами, интеграция, совместная разработка различных технологических проектов), так или иначе затрагивают институт государства. Можно вспомнить или придумать еще множество примеров социальных институтов и их деятельности.</a:t>
             </a:r>
             <a:endParaRPr lang="en-US" dirty="0"/>
           </a:p>
